--- a/draft/cover/cover.pptx
+++ b/draft/cover/cover.pptx
@@ -188,7 +188,7 @@
           </a:lstStyle>
           <a:p>
             <a:r>
-              <a:rPr lang="en-US" smtClean="0"/>
+              <a:rPr lang="en-US"/>
               <a:t>Click to edit Master title style</a:t>
             </a:r>
             <a:endParaRPr lang="en-US" dirty="0"/>
@@ -307,7 +307,7 @@
           </a:lstStyle>
           <a:p>
             <a:r>
-              <a:rPr lang="en-US" smtClean="0"/>
+              <a:rPr lang="en-US"/>
               <a:t>Click to edit Master subtitle style</a:t>
             </a:r>
             <a:endParaRPr lang="en-US" dirty="0"/>
@@ -336,7 +336,7 @@
           <a:p>
             <a:fld id="{E50F295A-86F0-7549-A46D-3D7D130C0126}" type="datetimeFigureOut">
               <a:rPr lang="en-US" smtClean="0"/>
-              <a:t>8/16/18</a:t>
+              <a:t>9/22/18</a:t>
             </a:fld>
             <a:endParaRPr lang="en-US"/>
           </a:p>
@@ -476,7 +476,7 @@
           </a:lstStyle>
           <a:p>
             <a:r>
-              <a:rPr lang="en-US" smtClean="0"/>
+              <a:rPr lang="en-US"/>
               <a:t>Click to edit Master title style</a:t>
             </a:r>
             <a:endParaRPr lang="en-US" dirty="0"/>
@@ -544,7 +544,7 @@
               <a:buNone/>
             </a:pPr>
             <a:r>
-              <a:rPr lang="en-US" smtClean="0"/>
+              <a:rPr lang="en-US"/>
               <a:t>Drag picture to placeholder or click icon to add</a:t>
             </a:r>
             <a:endParaRPr lang="en-US" dirty="0"/>
@@ -612,7 +612,7 @@
           <a:p>
             <a:pPr lvl="0"/>
             <a:r>
-              <a:rPr lang="en-US" smtClean="0"/>
+              <a:rPr lang="en-US"/>
               <a:t>Click to edit Master text styles</a:t>
             </a:r>
           </a:p>
@@ -635,7 +635,7 @@
           <a:p>
             <a:fld id="{E50F295A-86F0-7549-A46D-3D7D130C0126}" type="datetimeFigureOut">
               <a:rPr lang="en-US" smtClean="0"/>
-              <a:t>8/16/18</a:t>
+              <a:t>9/22/18</a:t>
             </a:fld>
             <a:endParaRPr lang="en-US"/>
           </a:p>
@@ -765,7 +765,7 @@
           </a:lstStyle>
           <a:p>
             <a:r>
-              <a:rPr lang="en-US" smtClean="0"/>
+              <a:rPr lang="en-US"/>
               <a:t>Click to edit Master title style</a:t>
             </a:r>
             <a:endParaRPr lang="en-US" dirty="0"/>
@@ -885,7 +885,7 @@
           <a:p>
             <a:pPr lvl="0"/>
             <a:r>
-              <a:rPr lang="en-US" smtClean="0"/>
+              <a:rPr lang="en-US"/>
               <a:t>Click to edit Master text styles</a:t>
             </a:r>
           </a:p>
@@ -908,7 +908,7 @@
           <a:p>
             <a:fld id="{E50F295A-86F0-7549-A46D-3D7D130C0126}" type="datetimeFigureOut">
               <a:rPr lang="en-US" smtClean="0"/>
-              <a:t>8/16/18</a:t>
+              <a:t>9/22/18</a:t>
             </a:fld>
             <a:endParaRPr lang="en-US"/>
           </a:p>
@@ -1274,7 +1274,7 @@
           </a:lstStyle>
           <a:p>
             <a:r>
-              <a:rPr lang="en-US" smtClean="0"/>
+              <a:rPr lang="en-US"/>
               <a:t>Click to edit Master title style</a:t>
             </a:r>
             <a:endParaRPr lang="en-US" dirty="0"/>
@@ -1331,7 +1331,7 @@
           <a:p>
             <a:pPr lvl="0"/>
             <a:r>
-              <a:rPr lang="en-US" smtClean="0"/>
+              <a:rPr lang="en-US"/>
               <a:t>Click to edit Master text styles</a:t>
             </a:r>
           </a:p>
@@ -1450,7 +1450,7 @@
           <a:p>
             <a:pPr lvl="0"/>
             <a:r>
-              <a:rPr lang="en-US" smtClean="0"/>
+              <a:rPr lang="en-US"/>
               <a:t>Click to edit Master text styles</a:t>
             </a:r>
           </a:p>
@@ -1473,7 +1473,7 @@
           <a:p>
             <a:fld id="{E50F295A-86F0-7549-A46D-3D7D130C0126}" type="datetimeFigureOut">
               <a:rPr lang="en-US" smtClean="0"/>
-              <a:t>8/16/18</a:t>
+              <a:t>9/22/18</a:t>
             </a:fld>
             <a:endParaRPr lang="en-US"/>
           </a:p>
@@ -1603,7 +1603,7 @@
           </a:lstStyle>
           <a:p>
             <a:r>
-              <a:rPr lang="en-US" smtClean="0"/>
+              <a:rPr lang="en-US"/>
               <a:t>Click to edit Master title style</a:t>
             </a:r>
             <a:endParaRPr lang="en-US" dirty="0"/>
@@ -1723,7 +1723,7 @@
           <a:p>
             <a:pPr lvl="0"/>
             <a:r>
-              <a:rPr lang="en-US" smtClean="0"/>
+              <a:rPr lang="en-US"/>
               <a:t>Click to edit Master text styles</a:t>
             </a:r>
           </a:p>
@@ -1746,7 +1746,7 @@
           <a:p>
             <a:fld id="{E50F295A-86F0-7549-A46D-3D7D130C0126}" type="datetimeFigureOut">
               <a:rPr lang="en-US" smtClean="0"/>
-              <a:t>8/16/18</a:t>
+              <a:t>9/22/18</a:t>
             </a:fld>
             <a:endParaRPr lang="en-US"/>
           </a:p>
@@ -2112,7 +2112,7 @@
           </a:lstStyle>
           <a:p>
             <a:r>
-              <a:rPr lang="en-US" smtClean="0"/>
+              <a:rPr lang="en-US"/>
               <a:t>Click to edit Master title style</a:t>
             </a:r>
             <a:endParaRPr lang="en-US" dirty="0"/>
@@ -2161,7 +2161,7 @@
               <a:buNone/>
             </a:pPr>
             <a:r>
-              <a:rPr lang="en-US" smtClean="0"/>
+              <a:rPr lang="en-US"/>
               <a:t>Click to edit Master text styles</a:t>
             </a:r>
           </a:p>
@@ -2280,7 +2280,7 @@
           <a:p>
             <a:pPr lvl="0"/>
             <a:r>
-              <a:rPr lang="en-US" smtClean="0"/>
+              <a:rPr lang="en-US"/>
               <a:t>Click to edit Master text styles</a:t>
             </a:r>
           </a:p>
@@ -2303,7 +2303,7 @@
           <a:p>
             <a:fld id="{E50F295A-86F0-7549-A46D-3D7D130C0126}" type="datetimeFigureOut">
               <a:rPr lang="en-US" smtClean="0"/>
-              <a:t>8/16/18</a:t>
+              <a:t>9/22/18</a:t>
             </a:fld>
             <a:endParaRPr lang="en-US"/>
           </a:p>
@@ -2434,7 +2434,7 @@
           <a:p>
             <a:pPr marL="0" lvl="0"/>
             <a:r>
-              <a:rPr lang="en-US" smtClean="0"/>
+              <a:rPr lang="en-US"/>
               <a:t>Click to edit Master title style</a:t>
             </a:r>
             <a:endParaRPr lang="en-US" dirty="0"/>
@@ -2483,7 +2483,7 @@
               <a:buNone/>
             </a:pPr>
             <a:r>
-              <a:rPr lang="en-US" smtClean="0"/>
+              <a:rPr lang="en-US"/>
               <a:t>Click to edit Master text styles</a:t>
             </a:r>
           </a:p>
@@ -2602,7 +2602,7 @@
           <a:p>
             <a:pPr lvl="0"/>
             <a:r>
-              <a:rPr lang="en-US" smtClean="0"/>
+              <a:rPr lang="en-US"/>
               <a:t>Click to edit Master text styles</a:t>
             </a:r>
           </a:p>
@@ -2625,7 +2625,7 @@
           <a:p>
             <a:fld id="{E50F295A-86F0-7549-A46D-3D7D130C0126}" type="datetimeFigureOut">
               <a:rPr lang="en-US" smtClean="0"/>
-              <a:t>8/16/18</a:t>
+              <a:t>9/22/18</a:t>
             </a:fld>
             <a:endParaRPr lang="en-US"/>
           </a:p>
@@ -2755,7 +2755,7 @@
           </a:lstStyle>
           <a:p>
             <a:r>
-              <a:rPr lang="en-US" smtClean="0"/>
+              <a:rPr lang="en-US"/>
               <a:t>Click to edit Master title style</a:t>
             </a:r>
             <a:endParaRPr lang="en-US" dirty="0"/>
@@ -2779,35 +2779,35 @@
           <a:p>
             <a:pPr lvl="0"/>
             <a:r>
-              <a:rPr lang="en-US" smtClean="0"/>
+              <a:rPr lang="en-US"/>
               <a:t>Click to edit Master text styles</a:t>
             </a:r>
           </a:p>
           <a:p>
             <a:pPr lvl="1"/>
             <a:r>
-              <a:rPr lang="en-US" smtClean="0"/>
+              <a:rPr lang="en-US"/>
               <a:t>Second level</a:t>
             </a:r>
           </a:p>
           <a:p>
             <a:pPr lvl="2"/>
             <a:r>
-              <a:rPr lang="en-US" smtClean="0"/>
+              <a:rPr lang="en-US"/>
               <a:t>Third level</a:t>
             </a:r>
           </a:p>
           <a:p>
             <a:pPr lvl="3"/>
             <a:r>
-              <a:rPr lang="en-US" smtClean="0"/>
+              <a:rPr lang="en-US"/>
               <a:t>Fourth level</a:t>
             </a:r>
           </a:p>
           <a:p>
             <a:pPr lvl="4"/>
             <a:r>
-              <a:rPr lang="en-US" smtClean="0"/>
+              <a:rPr lang="en-US"/>
               <a:t>Fifth level</a:t>
             </a:r>
             <a:endParaRPr lang="en-US" dirty="0"/>
@@ -2831,7 +2831,7 @@
           <a:p>
             <a:fld id="{E50F295A-86F0-7549-A46D-3D7D130C0126}" type="datetimeFigureOut">
               <a:rPr lang="en-US" smtClean="0"/>
-              <a:t>8/16/18</a:t>
+              <a:t>9/22/18</a:t>
             </a:fld>
             <a:endParaRPr lang="en-US"/>
           </a:p>
@@ -2961,7 +2961,7 @@
           </a:lstStyle>
           <a:p>
             <a:r>
-              <a:rPr lang="en-US" smtClean="0"/>
+              <a:rPr lang="en-US"/>
               <a:t>Click to edit Master title style</a:t>
             </a:r>
             <a:endParaRPr lang="en-US" dirty="0"/>
@@ -2990,35 +2990,35 @@
           <a:p>
             <a:pPr lvl="0"/>
             <a:r>
-              <a:rPr lang="en-US" smtClean="0"/>
+              <a:rPr lang="en-US"/>
               <a:t>Click to edit Master text styles</a:t>
             </a:r>
           </a:p>
           <a:p>
             <a:pPr lvl="1"/>
             <a:r>
-              <a:rPr lang="en-US" smtClean="0"/>
+              <a:rPr lang="en-US"/>
               <a:t>Second level</a:t>
             </a:r>
           </a:p>
           <a:p>
             <a:pPr lvl="2"/>
             <a:r>
-              <a:rPr lang="en-US" smtClean="0"/>
+              <a:rPr lang="en-US"/>
               <a:t>Third level</a:t>
             </a:r>
           </a:p>
           <a:p>
             <a:pPr lvl="3"/>
             <a:r>
-              <a:rPr lang="en-US" smtClean="0"/>
+              <a:rPr lang="en-US"/>
               <a:t>Fourth level</a:t>
             </a:r>
           </a:p>
           <a:p>
             <a:pPr lvl="4"/>
             <a:r>
-              <a:rPr lang="en-US" smtClean="0"/>
+              <a:rPr lang="en-US"/>
               <a:t>Fifth level</a:t>
             </a:r>
             <a:endParaRPr lang="en-US" dirty="0"/>
@@ -3042,7 +3042,7 @@
           <a:p>
             <a:fld id="{E50F295A-86F0-7549-A46D-3D7D130C0126}" type="datetimeFigureOut">
               <a:rPr lang="en-US" smtClean="0"/>
-              <a:t>8/16/18</a:t>
+              <a:t>9/22/18</a:t>
             </a:fld>
             <a:endParaRPr lang="en-US"/>
           </a:p>
@@ -3167,7 +3167,7 @@
           </a:lstStyle>
           <a:p>
             <a:r>
-              <a:rPr lang="en-US" smtClean="0"/>
+              <a:rPr lang="en-US"/>
               <a:t>Click to edit Master title style</a:t>
             </a:r>
             <a:endParaRPr lang="en-US" dirty="0"/>
@@ -3191,35 +3191,35 @@
           <a:p>
             <a:pPr lvl="0"/>
             <a:r>
-              <a:rPr lang="en-US" smtClean="0"/>
+              <a:rPr lang="en-US"/>
               <a:t>Click to edit Master text styles</a:t>
             </a:r>
           </a:p>
           <a:p>
             <a:pPr lvl="1"/>
             <a:r>
-              <a:rPr lang="en-US" smtClean="0"/>
+              <a:rPr lang="en-US"/>
               <a:t>Second level</a:t>
             </a:r>
           </a:p>
           <a:p>
             <a:pPr lvl="2"/>
             <a:r>
-              <a:rPr lang="en-US" smtClean="0"/>
+              <a:rPr lang="en-US"/>
               <a:t>Third level</a:t>
             </a:r>
           </a:p>
           <a:p>
             <a:pPr lvl="3"/>
             <a:r>
-              <a:rPr lang="en-US" smtClean="0"/>
+              <a:rPr lang="en-US"/>
               <a:t>Fourth level</a:t>
             </a:r>
           </a:p>
           <a:p>
             <a:pPr lvl="4"/>
             <a:r>
-              <a:rPr lang="en-US" smtClean="0"/>
+              <a:rPr lang="en-US"/>
               <a:t>Fifth level</a:t>
             </a:r>
             <a:endParaRPr lang="en-US" dirty="0"/>
@@ -3243,7 +3243,7 @@
           <a:p>
             <a:fld id="{E50F295A-86F0-7549-A46D-3D7D130C0126}" type="datetimeFigureOut">
               <a:rPr lang="en-US" smtClean="0"/>
-              <a:t>8/16/18</a:t>
+              <a:t>9/22/18</a:t>
             </a:fld>
             <a:endParaRPr lang="en-US"/>
           </a:p>
@@ -3373,7 +3373,7 @@
           </a:lstStyle>
           <a:p>
             <a:r>
-              <a:rPr lang="en-US" smtClean="0"/>
+              <a:rPr lang="en-US"/>
               <a:t>Click to edit Master title style</a:t>
             </a:r>
             <a:endParaRPr lang="en-US" dirty="0"/>
@@ -3493,7 +3493,7 @@
           <a:p>
             <a:pPr lvl="0"/>
             <a:r>
-              <a:rPr lang="en-US" smtClean="0"/>
+              <a:rPr lang="en-US"/>
               <a:t>Click to edit Master text styles</a:t>
             </a:r>
           </a:p>
@@ -3516,7 +3516,7 @@
           <a:p>
             <a:fld id="{E50F295A-86F0-7549-A46D-3D7D130C0126}" type="datetimeFigureOut">
               <a:rPr lang="en-US" smtClean="0"/>
-              <a:t>8/16/18</a:t>
+              <a:t>9/22/18</a:t>
             </a:fld>
             <a:endParaRPr lang="en-US"/>
           </a:p>
@@ -3635,7 +3635,7 @@
           <a:lstStyle/>
           <a:p>
             <a:r>
-              <a:rPr lang="en-US" smtClean="0"/>
+              <a:rPr lang="en-US"/>
               <a:t>Click to edit Master title style</a:t>
             </a:r>
             <a:endParaRPr lang="en-US" dirty="0"/>
@@ -3666,35 +3666,35 @@
           <a:p>
             <a:pPr lvl="0"/>
             <a:r>
-              <a:rPr lang="en-US" smtClean="0"/>
+              <a:rPr lang="en-US"/>
               <a:t>Click to edit Master text styles</a:t>
             </a:r>
           </a:p>
           <a:p>
             <a:pPr lvl="1"/>
             <a:r>
-              <a:rPr lang="en-US" smtClean="0"/>
+              <a:rPr lang="en-US"/>
               <a:t>Second level</a:t>
             </a:r>
           </a:p>
           <a:p>
             <a:pPr lvl="2"/>
             <a:r>
-              <a:rPr lang="en-US" smtClean="0"/>
+              <a:rPr lang="en-US"/>
               <a:t>Third level</a:t>
             </a:r>
           </a:p>
           <a:p>
             <a:pPr lvl="3"/>
             <a:r>
-              <a:rPr lang="en-US" smtClean="0"/>
+              <a:rPr lang="en-US"/>
               <a:t>Fourth level</a:t>
             </a:r>
           </a:p>
           <a:p>
             <a:pPr lvl="4"/>
             <a:r>
-              <a:rPr lang="en-US" smtClean="0"/>
+              <a:rPr lang="en-US"/>
               <a:t>Fifth level</a:t>
             </a:r>
             <a:endParaRPr lang="en-US" dirty="0"/>
@@ -3725,35 +3725,35 @@
           <a:p>
             <a:pPr lvl="0"/>
             <a:r>
-              <a:rPr lang="en-US" smtClean="0"/>
+              <a:rPr lang="en-US"/>
               <a:t>Click to edit Master text styles</a:t>
             </a:r>
           </a:p>
           <a:p>
             <a:pPr lvl="1"/>
             <a:r>
-              <a:rPr lang="en-US" smtClean="0"/>
+              <a:rPr lang="en-US"/>
               <a:t>Second level</a:t>
             </a:r>
           </a:p>
           <a:p>
             <a:pPr lvl="2"/>
             <a:r>
-              <a:rPr lang="en-US" smtClean="0"/>
+              <a:rPr lang="en-US"/>
               <a:t>Third level</a:t>
             </a:r>
           </a:p>
           <a:p>
             <a:pPr lvl="3"/>
             <a:r>
-              <a:rPr lang="en-US" smtClean="0"/>
+              <a:rPr lang="en-US"/>
               <a:t>Fourth level</a:t>
             </a:r>
           </a:p>
           <a:p>
             <a:pPr lvl="4"/>
             <a:r>
-              <a:rPr lang="en-US" smtClean="0"/>
+              <a:rPr lang="en-US"/>
               <a:t>Fifth level</a:t>
             </a:r>
             <a:endParaRPr lang="en-US" dirty="0"/>
@@ -3777,7 +3777,7 @@
           <a:p>
             <a:fld id="{E50F295A-86F0-7549-A46D-3D7D130C0126}" type="datetimeFigureOut">
               <a:rPr lang="en-US" smtClean="0"/>
-              <a:t>8/16/18</a:t>
+              <a:t>9/22/18</a:t>
             </a:fld>
             <a:endParaRPr lang="en-US"/>
           </a:p>
@@ -3902,7 +3902,7 @@
           </a:lstStyle>
           <a:p>
             <a:r>
-              <a:rPr lang="en-US" smtClean="0"/>
+              <a:rPr lang="en-US"/>
               <a:t>Click to edit Master title style</a:t>
             </a:r>
             <a:endParaRPr lang="en-US" dirty="0"/>
@@ -3970,7 +3970,7 @@
           <a:p>
             <a:pPr lvl="0"/>
             <a:r>
-              <a:rPr lang="en-US" smtClean="0"/>
+              <a:rPr lang="en-US"/>
               <a:t>Click to edit Master text styles</a:t>
             </a:r>
           </a:p>
@@ -4000,35 +4000,35 @@
           <a:p>
             <a:pPr lvl="0"/>
             <a:r>
-              <a:rPr lang="en-US" smtClean="0"/>
+              <a:rPr lang="en-US"/>
               <a:t>Click to edit Master text styles</a:t>
             </a:r>
           </a:p>
           <a:p>
             <a:pPr lvl="1"/>
             <a:r>
-              <a:rPr lang="en-US" smtClean="0"/>
+              <a:rPr lang="en-US"/>
               <a:t>Second level</a:t>
             </a:r>
           </a:p>
           <a:p>
             <a:pPr lvl="2"/>
             <a:r>
-              <a:rPr lang="en-US" smtClean="0"/>
+              <a:rPr lang="en-US"/>
               <a:t>Third level</a:t>
             </a:r>
           </a:p>
           <a:p>
             <a:pPr lvl="3"/>
             <a:r>
-              <a:rPr lang="en-US" smtClean="0"/>
+              <a:rPr lang="en-US"/>
               <a:t>Fourth level</a:t>
             </a:r>
           </a:p>
           <a:p>
             <a:pPr lvl="4"/>
             <a:r>
-              <a:rPr lang="en-US" smtClean="0"/>
+              <a:rPr lang="en-US"/>
               <a:t>Fifth level</a:t>
             </a:r>
             <a:endParaRPr lang="en-US" dirty="0"/>
@@ -4096,7 +4096,7 @@
           <a:p>
             <a:pPr lvl="0"/>
             <a:r>
-              <a:rPr lang="en-US" smtClean="0"/>
+              <a:rPr lang="en-US"/>
               <a:t>Click to edit Master text styles</a:t>
             </a:r>
           </a:p>
@@ -4126,35 +4126,35 @@
           <a:p>
             <a:pPr lvl="0"/>
             <a:r>
-              <a:rPr lang="en-US" smtClean="0"/>
+              <a:rPr lang="en-US"/>
               <a:t>Click to edit Master text styles</a:t>
             </a:r>
           </a:p>
           <a:p>
             <a:pPr lvl="1"/>
             <a:r>
-              <a:rPr lang="en-US" smtClean="0"/>
+              <a:rPr lang="en-US"/>
               <a:t>Second level</a:t>
             </a:r>
           </a:p>
           <a:p>
             <a:pPr lvl="2"/>
             <a:r>
-              <a:rPr lang="en-US" smtClean="0"/>
+              <a:rPr lang="en-US"/>
               <a:t>Third level</a:t>
             </a:r>
           </a:p>
           <a:p>
             <a:pPr lvl="3"/>
             <a:r>
-              <a:rPr lang="en-US" smtClean="0"/>
+              <a:rPr lang="en-US"/>
               <a:t>Fourth level</a:t>
             </a:r>
           </a:p>
           <a:p>
             <a:pPr lvl="4"/>
             <a:r>
-              <a:rPr lang="en-US" smtClean="0"/>
+              <a:rPr lang="en-US"/>
               <a:t>Fifth level</a:t>
             </a:r>
             <a:endParaRPr lang="en-US" dirty="0"/>
@@ -4178,7 +4178,7 @@
           <a:p>
             <a:fld id="{E50F295A-86F0-7549-A46D-3D7D130C0126}" type="datetimeFigureOut">
               <a:rPr lang="en-US" smtClean="0"/>
-              <a:t>8/16/18</a:t>
+              <a:t>9/22/18</a:t>
             </a:fld>
             <a:endParaRPr lang="en-US"/>
           </a:p>
@@ -4308,7 +4308,7 @@
           </a:lstStyle>
           <a:p>
             <a:r>
-              <a:rPr lang="en-US" smtClean="0"/>
+              <a:rPr lang="en-US"/>
               <a:t>Click to edit Master title style</a:t>
             </a:r>
             <a:endParaRPr lang="en-US" dirty="0"/>
@@ -4332,7 +4332,7 @@
           <a:p>
             <a:fld id="{E50F295A-86F0-7549-A46D-3D7D130C0126}" type="datetimeFigureOut">
               <a:rPr lang="en-US" smtClean="0"/>
-              <a:t>8/16/18</a:t>
+              <a:t>9/22/18</a:t>
             </a:fld>
             <a:endParaRPr lang="en-US"/>
           </a:p>
@@ -4452,7 +4452,7 @@
           <a:p>
             <a:fld id="{E50F295A-86F0-7549-A46D-3D7D130C0126}" type="datetimeFigureOut">
               <a:rPr lang="en-US" smtClean="0"/>
-              <a:t>8/16/18</a:t>
+              <a:t>9/22/18</a:t>
             </a:fld>
             <a:endParaRPr lang="en-US"/>
           </a:p>
@@ -4582,7 +4582,7 @@
           </a:lstStyle>
           <a:p>
             <a:r>
-              <a:rPr lang="en-US" smtClean="0"/>
+              <a:rPr lang="en-US"/>
               <a:t>Click to edit Master title style</a:t>
             </a:r>
             <a:endParaRPr lang="en-US" dirty="0"/>
@@ -4613,35 +4613,35 @@
           <a:p>
             <a:pPr lvl="0"/>
             <a:r>
-              <a:rPr lang="en-US" smtClean="0"/>
+              <a:rPr lang="en-US"/>
               <a:t>Click to edit Master text styles</a:t>
             </a:r>
           </a:p>
           <a:p>
             <a:pPr lvl="1"/>
             <a:r>
-              <a:rPr lang="en-US" smtClean="0"/>
+              <a:rPr lang="en-US"/>
               <a:t>Second level</a:t>
             </a:r>
           </a:p>
           <a:p>
             <a:pPr lvl="2"/>
             <a:r>
-              <a:rPr lang="en-US" smtClean="0"/>
+              <a:rPr lang="en-US"/>
               <a:t>Third level</a:t>
             </a:r>
           </a:p>
           <a:p>
             <a:pPr lvl="3"/>
             <a:r>
-              <a:rPr lang="en-US" smtClean="0"/>
+              <a:rPr lang="en-US"/>
               <a:t>Fourth level</a:t>
             </a:r>
           </a:p>
           <a:p>
             <a:pPr lvl="4"/>
             <a:r>
-              <a:rPr lang="en-US" smtClean="0"/>
+              <a:rPr lang="en-US"/>
               <a:t>Fifth level</a:t>
             </a:r>
             <a:endParaRPr lang="en-US" dirty="0"/>
@@ -4709,7 +4709,7 @@
           <a:p>
             <a:pPr lvl="0"/>
             <a:r>
-              <a:rPr lang="en-US" smtClean="0"/>
+              <a:rPr lang="en-US"/>
               <a:t>Click to edit Master text styles</a:t>
             </a:r>
           </a:p>
@@ -4732,7 +4732,7 @@
           <a:p>
             <a:fld id="{E50F295A-86F0-7549-A46D-3D7D130C0126}" type="datetimeFigureOut">
               <a:rPr lang="en-US" smtClean="0"/>
-              <a:t>8/16/18</a:t>
+              <a:t>9/22/18</a:t>
             </a:fld>
             <a:endParaRPr lang="en-US"/>
           </a:p>
@@ -4862,7 +4862,7 @@
           </a:lstStyle>
           <a:p>
             <a:r>
-              <a:rPr lang="en-US" smtClean="0"/>
+              <a:rPr lang="en-US"/>
               <a:t>Click to edit Master title style</a:t>
             </a:r>
             <a:endParaRPr lang="en-US" dirty="0"/>
@@ -4930,7 +4930,7 @@
               <a:buNone/>
             </a:pPr>
             <a:r>
-              <a:rPr lang="en-US" smtClean="0"/>
+              <a:rPr lang="en-US"/>
               <a:t>Drag picture to placeholder or click icon to add</a:t>
             </a:r>
             <a:endParaRPr lang="en-US" dirty="0"/>
@@ -4998,7 +4998,7 @@
           <a:p>
             <a:pPr lvl="0"/>
             <a:r>
-              <a:rPr lang="en-US" smtClean="0"/>
+              <a:rPr lang="en-US"/>
               <a:t>Click to edit Master text styles</a:t>
             </a:r>
           </a:p>
@@ -5021,7 +5021,7 @@
           <a:p>
             <a:fld id="{E50F295A-86F0-7549-A46D-3D7D130C0126}" type="datetimeFigureOut">
               <a:rPr lang="en-US" smtClean="0"/>
-              <a:t>8/16/18</a:t>
+              <a:t>9/22/18</a:t>
             </a:fld>
             <a:endParaRPr lang="en-US"/>
           </a:p>
@@ -5126,7 +5126,7 @@
           <a:lstStyle/>
           <a:p>
             <a:r>
-              <a:rPr lang="en-US" smtClean="0"/>
+              <a:rPr lang="en-US"/>
               <a:t>Click to edit Master title style</a:t>
             </a:r>
             <a:endParaRPr lang="en-US" dirty="0"/>
@@ -5160,35 +5160,35 @@
           <a:p>
             <a:pPr lvl="0"/>
             <a:r>
-              <a:rPr lang="en-US" smtClean="0"/>
+              <a:rPr lang="en-US"/>
               <a:t>Click to edit Master text styles</a:t>
             </a:r>
           </a:p>
           <a:p>
             <a:pPr lvl="1"/>
             <a:r>
-              <a:rPr lang="en-US" smtClean="0"/>
+              <a:rPr lang="en-US"/>
               <a:t>Second level</a:t>
             </a:r>
           </a:p>
           <a:p>
             <a:pPr lvl="2"/>
             <a:r>
-              <a:rPr lang="en-US" smtClean="0"/>
+              <a:rPr lang="en-US"/>
               <a:t>Third level</a:t>
             </a:r>
           </a:p>
           <a:p>
             <a:pPr lvl="3"/>
             <a:r>
-              <a:rPr lang="en-US" smtClean="0"/>
+              <a:rPr lang="en-US"/>
               <a:t>Fourth level</a:t>
             </a:r>
           </a:p>
           <a:p>
             <a:pPr lvl="4"/>
             <a:r>
-              <a:rPr lang="en-US" smtClean="0"/>
+              <a:rPr lang="en-US"/>
               <a:t>Fifth level</a:t>
             </a:r>
             <a:endParaRPr lang="en-US" dirty="0"/>
@@ -5230,7 +5230,7 @@
           <a:p>
             <a:fld id="{E50F295A-86F0-7549-A46D-3D7D130C0126}" type="datetimeFigureOut">
               <a:rPr lang="en-US" smtClean="0"/>
-              <a:t>8/16/18</a:t>
+              <a:t>9/22/18</a:t>
             </a:fld>
             <a:endParaRPr lang="en-US"/>
           </a:p>
@@ -5766,8 +5766,8 @@
           <a:lstStyle/>
           <a:p>
             <a:r>
-              <a:rPr lang="en-US" sz="7200" b="1" dirty="0" smtClean="0"/>
-              <a:t>Cloud Computing</a:t>
+              <a:rPr lang="en-US" sz="7200" b="1" dirty="0"/>
+              <a:t>DRAFT</a:t>
             </a:r>
             <a:endParaRPr lang="en-US" sz="4000" b="1" i="1" dirty="0"/>
           </a:p>
@@ -5792,7 +5792,7 @@
               <a:buNone/>
             </a:pPr>
             <a:r>
-              <a:rPr lang="en-US" sz="2400" dirty="0" smtClean="0"/>
+              <a:rPr lang="en-US" sz="2400" dirty="0"/>
               <a:t>_______________________________________</a:t>
             </a:r>
           </a:p>
@@ -5800,57 +5800,16 @@
             <a:pPr marL="0" indent="0">
               <a:buNone/>
             </a:pPr>
-            <a:endParaRPr lang="en-US" sz="2400" dirty="0" smtClean="0"/>
+            <a:endParaRPr lang="en-US" sz="2400" dirty="0"/>
           </a:p>
           <a:p>
             <a:pPr marL="0" indent="0" algn="ctr">
               <a:buNone/>
             </a:pPr>
             <a:r>
-              <a:rPr lang="en-US" sz="3200" dirty="0" smtClean="0"/>
-              <a:t>Gregor </a:t>
-            </a:r>
-            <a:r>
-              <a:rPr lang="en-US" sz="3200" dirty="0" smtClean="0"/>
-              <a:t>von </a:t>
-            </a:r>
-            <a:r>
-              <a:rPr lang="en-US" sz="3200" dirty="0" smtClean="0"/>
-              <a:t>Laszewski</a:t>
-            </a:r>
-          </a:p>
-          <a:p>
-            <a:pPr marL="0" indent="0" algn="ctr">
-              <a:buNone/>
-            </a:pPr>
-            <a:r>
-              <a:rPr lang="en-US" sz="3200" dirty="0" err="1"/>
-              <a:t>Fugang</a:t>
-            </a:r>
-            <a:r>
               <a:rPr lang="en-US" sz="3200" dirty="0"/>
-              <a:t> </a:t>
-            </a:r>
-            <a:r>
-              <a:rPr lang="en-US" sz="3200" dirty="0" smtClean="0"/>
-              <a:t>Wang</a:t>
-            </a:r>
-            <a:endParaRPr lang="en-US" sz="3200" dirty="0" smtClean="0"/>
-          </a:p>
-          <a:p>
-            <a:pPr marL="0" indent="0" algn="ctr">
-              <a:buNone/>
-            </a:pPr>
-            <a:r>
-              <a:rPr lang="en-US" sz="3200" dirty="0"/>
-              <a:t>Geoffrey C. Fox</a:t>
-            </a:r>
-          </a:p>
-          <a:p>
-            <a:pPr marL="0" indent="0" algn="ctr">
-              <a:buNone/>
-            </a:pPr>
-            <a:endParaRPr lang="en-US" sz="3200" dirty="0" smtClean="0"/>
+              <a:t>Gregor von Laszewski</a:t>
+            </a:r>
           </a:p>
           <a:p>
             <a:pPr marL="0" indent="0" algn="ctr">
@@ -5862,15 +5821,21 @@
             <a:pPr marL="0" indent="0" algn="ctr">
               <a:buNone/>
             </a:pPr>
-            <a:r>
-              <a:rPr lang="en-US" sz="2000" dirty="0" smtClean="0"/>
+            <a:endParaRPr lang="en-US" sz="3200" dirty="0"/>
+          </a:p>
+          <a:p>
+            <a:pPr marL="0" indent="0" algn="ctr">
+              <a:buNone/>
+            </a:pPr>
+            <a:r>
+              <a:rPr lang="en-US" sz="2000" dirty="0"/>
               <a:t>	</a:t>
             </a:r>
             <a:r>
-              <a:rPr lang="en-US" sz="2000" dirty="0" err="1" smtClean="0"/>
+              <a:rPr lang="en-US" sz="2000" dirty="0" err="1"/>
               <a:t>laszewski@gmail.com</a:t>
             </a:r>
-            <a:endParaRPr lang="en-US" sz="2000" dirty="0" smtClean="0"/>
+            <a:endParaRPr lang="en-US" sz="2000" dirty="0"/>
           </a:p>
           <a:p>
             <a:pPr marL="0" indent="0">
@@ -5896,13 +5861,6 @@
   <p:clrMapOvr>
     <a:masterClrMapping/>
   </p:clrMapOvr>
-  <p:timing>
-    <p:tnLst>
-      <p:par>
-        <p:cTn id="1" dur="indefinite" restart="never" nodeType="tmRoot"/>
-      </p:par>
-    </p:tnLst>
-  </p:timing>
 </p:sld>
 </file>
 
